--- a/ppt 16-9/0515.看!东方这一代.pptx
+++ b/ppt 16-9/0515.看!东方这一代.pptx
@@ -129,7 +129,7 @@
           <p:cNvPr id="2" name="标题 1">
             <a:extLst>
               <a:ext uri="{FF2B5EF4-FFF2-40B4-BE49-F238E27FC236}">
-                <a16:creationId xmlns:a16="http://schemas.microsoft.com/office/drawing/2014/main" id="{4F7F20C6-0BA1-81D8-E74C-9E816FDF55CD}"/>
+                <a16:creationId xmlns:a16="http://schemas.microsoft.com/office/drawing/2014/main" id="{822A945A-7E07-5E10-17CF-0F94B107795C}"/>
               </a:ext>
             </a:extLst>
           </p:cNvPr>
@@ -166,7 +166,7 @@
           <p:cNvPr id="3" name="副标题 2">
             <a:extLst>
               <a:ext uri="{FF2B5EF4-FFF2-40B4-BE49-F238E27FC236}">
-                <a16:creationId xmlns:a16="http://schemas.microsoft.com/office/drawing/2014/main" id="{3303335B-46D3-93F5-DC38-CE3D83AEACC5}"/>
+                <a16:creationId xmlns:a16="http://schemas.microsoft.com/office/drawing/2014/main" id="{30705A6C-FE56-C9E5-72A8-20656A7FCC28}"/>
               </a:ext>
             </a:extLst>
           </p:cNvPr>
@@ -236,7 +236,7 @@
           <p:cNvPr id="4" name="日期占位符 3">
             <a:extLst>
               <a:ext uri="{FF2B5EF4-FFF2-40B4-BE49-F238E27FC236}">
-                <a16:creationId xmlns:a16="http://schemas.microsoft.com/office/drawing/2014/main" id="{D9A1D1C5-DC90-0864-6230-24143AE297E1}"/>
+                <a16:creationId xmlns:a16="http://schemas.microsoft.com/office/drawing/2014/main" id="{08F4DF77-B69B-5FA6-7541-69323879DB18}"/>
               </a:ext>
             </a:extLst>
           </p:cNvPr>
@@ -252,7 +252,7 @@
           <a:bodyPr/>
           <a:lstStyle/>
           <a:p>
-            <a:fld id="{237A882D-1CCD-4259-85C4-722B743CDCC3}" type="datetimeFigureOut">
+            <a:fld id="{9BE8C56A-74B8-4F2D-9D65-9EF3ACF27737}" type="datetimeFigureOut">
               <a:rPr lang="zh-CN" altLang="en-US" smtClean="0"/>
               <a:t>2024/3/10</a:t>
             </a:fld>
@@ -265,7 +265,7 @@
           <p:cNvPr id="5" name="页脚占位符 4">
             <a:extLst>
               <a:ext uri="{FF2B5EF4-FFF2-40B4-BE49-F238E27FC236}">
-                <a16:creationId xmlns:a16="http://schemas.microsoft.com/office/drawing/2014/main" id="{195C5DDD-E0CE-68B5-5A88-C23DDED29DF9}"/>
+                <a16:creationId xmlns:a16="http://schemas.microsoft.com/office/drawing/2014/main" id="{C02D90F4-D7FF-EEF2-550A-637267AEDD26}"/>
               </a:ext>
             </a:extLst>
           </p:cNvPr>
@@ -290,7 +290,7 @@
           <p:cNvPr id="6" name="灯片编号占位符 5">
             <a:extLst>
               <a:ext uri="{FF2B5EF4-FFF2-40B4-BE49-F238E27FC236}">
-                <a16:creationId xmlns:a16="http://schemas.microsoft.com/office/drawing/2014/main" id="{31E01942-A53D-C31F-A5C0-A84DED452802}"/>
+                <a16:creationId xmlns:a16="http://schemas.microsoft.com/office/drawing/2014/main" id="{4A663A7C-0CAD-49F1-F434-C1B406F66F7D}"/>
               </a:ext>
             </a:extLst>
           </p:cNvPr>
@@ -306,7 +306,7 @@
           <a:bodyPr/>
           <a:lstStyle/>
           <a:p>
-            <a:fld id="{5AB1F6BB-7EE2-4B82-B270-863D35C8674D}" type="slidenum">
+            <a:fld id="{D1883FAE-B966-4DDB-BD36-5372E1E67B54}" type="slidenum">
               <a:rPr lang="zh-CN" altLang="en-US" smtClean="0"/>
               <a:t>‹#›</a:t>
             </a:fld>
@@ -317,7 +317,7 @@
     </p:spTree>
     <p:extLst>
       <p:ext uri="{BB962C8B-B14F-4D97-AF65-F5344CB8AC3E}">
-        <p14:creationId xmlns:p14="http://schemas.microsoft.com/office/powerpoint/2010/main" val="3565039087"/>
+        <p14:creationId xmlns:p14="http://schemas.microsoft.com/office/powerpoint/2010/main" val="3683638970"/>
       </p:ext>
     </p:extLst>
   </p:cSld>
@@ -349,7 +349,7 @@
           <p:cNvPr id="2" name="标题 1">
             <a:extLst>
               <a:ext uri="{FF2B5EF4-FFF2-40B4-BE49-F238E27FC236}">
-                <a16:creationId xmlns:a16="http://schemas.microsoft.com/office/drawing/2014/main" id="{427A069E-4BCD-C571-E6CB-CF1207004B4B}"/>
+                <a16:creationId xmlns:a16="http://schemas.microsoft.com/office/drawing/2014/main" id="{6C5CF6DB-AB2A-C57B-E282-1A2A4829B0FD}"/>
               </a:ext>
             </a:extLst>
           </p:cNvPr>
@@ -377,7 +377,7 @@
           <p:cNvPr id="3" name="竖排文字占位符 2">
             <a:extLst>
               <a:ext uri="{FF2B5EF4-FFF2-40B4-BE49-F238E27FC236}">
-                <a16:creationId xmlns:a16="http://schemas.microsoft.com/office/drawing/2014/main" id="{E232CDA0-36C9-9E1D-D12E-AE00744DEA91}"/>
+                <a16:creationId xmlns:a16="http://schemas.microsoft.com/office/drawing/2014/main" id="{15175295-D6AA-706F-473A-E078EEAACFA4}"/>
               </a:ext>
             </a:extLst>
           </p:cNvPr>
@@ -434,7 +434,7 @@
           <p:cNvPr id="4" name="日期占位符 3">
             <a:extLst>
               <a:ext uri="{FF2B5EF4-FFF2-40B4-BE49-F238E27FC236}">
-                <a16:creationId xmlns:a16="http://schemas.microsoft.com/office/drawing/2014/main" id="{1D084636-1E9A-58E2-7DC1-1B209B3E380E}"/>
+                <a16:creationId xmlns:a16="http://schemas.microsoft.com/office/drawing/2014/main" id="{B4F7EB99-5CEC-90C0-1F66-06B9135C9E79}"/>
               </a:ext>
             </a:extLst>
           </p:cNvPr>
@@ -450,7 +450,7 @@
           <a:bodyPr/>
           <a:lstStyle/>
           <a:p>
-            <a:fld id="{237A882D-1CCD-4259-85C4-722B743CDCC3}" type="datetimeFigureOut">
+            <a:fld id="{9BE8C56A-74B8-4F2D-9D65-9EF3ACF27737}" type="datetimeFigureOut">
               <a:rPr lang="zh-CN" altLang="en-US" smtClean="0"/>
               <a:t>2024/3/10</a:t>
             </a:fld>
@@ -463,7 +463,7 @@
           <p:cNvPr id="5" name="页脚占位符 4">
             <a:extLst>
               <a:ext uri="{FF2B5EF4-FFF2-40B4-BE49-F238E27FC236}">
-                <a16:creationId xmlns:a16="http://schemas.microsoft.com/office/drawing/2014/main" id="{C515A7AB-26E2-EA09-95A1-C715B5104797}"/>
+                <a16:creationId xmlns:a16="http://schemas.microsoft.com/office/drawing/2014/main" id="{7BB93DA2-5CA6-DBC3-5F18-3D410134F1EA}"/>
               </a:ext>
             </a:extLst>
           </p:cNvPr>
@@ -488,7 +488,7 @@
           <p:cNvPr id="6" name="灯片编号占位符 5">
             <a:extLst>
               <a:ext uri="{FF2B5EF4-FFF2-40B4-BE49-F238E27FC236}">
-                <a16:creationId xmlns:a16="http://schemas.microsoft.com/office/drawing/2014/main" id="{BACB3861-C7AD-DC7F-149A-FACA0C9AB17C}"/>
+                <a16:creationId xmlns:a16="http://schemas.microsoft.com/office/drawing/2014/main" id="{08EE7427-FAE5-3673-271D-D26B6C75EE98}"/>
               </a:ext>
             </a:extLst>
           </p:cNvPr>
@@ -504,7 +504,7 @@
           <a:bodyPr/>
           <a:lstStyle/>
           <a:p>
-            <a:fld id="{5AB1F6BB-7EE2-4B82-B270-863D35C8674D}" type="slidenum">
+            <a:fld id="{D1883FAE-B966-4DDB-BD36-5372E1E67B54}" type="slidenum">
               <a:rPr lang="zh-CN" altLang="en-US" smtClean="0"/>
               <a:t>‹#›</a:t>
             </a:fld>
@@ -515,7 +515,7 @@
     </p:spTree>
     <p:extLst>
       <p:ext uri="{BB962C8B-B14F-4D97-AF65-F5344CB8AC3E}">
-        <p14:creationId xmlns:p14="http://schemas.microsoft.com/office/powerpoint/2010/main" val="2975697316"/>
+        <p14:creationId xmlns:p14="http://schemas.microsoft.com/office/powerpoint/2010/main" val="499447901"/>
       </p:ext>
     </p:extLst>
   </p:cSld>
@@ -547,7 +547,7 @@
           <p:cNvPr id="2" name="竖排标题 1">
             <a:extLst>
               <a:ext uri="{FF2B5EF4-FFF2-40B4-BE49-F238E27FC236}">
-                <a16:creationId xmlns:a16="http://schemas.microsoft.com/office/drawing/2014/main" id="{69D98546-80A4-201D-9B34-749CCDED23B9}"/>
+                <a16:creationId xmlns:a16="http://schemas.microsoft.com/office/drawing/2014/main" id="{6505F494-1F51-2F1A-B9E5-0A841E34EC5B}"/>
               </a:ext>
             </a:extLst>
           </p:cNvPr>
@@ -580,7 +580,7 @@
           <p:cNvPr id="3" name="竖排文字占位符 2">
             <a:extLst>
               <a:ext uri="{FF2B5EF4-FFF2-40B4-BE49-F238E27FC236}">
-                <a16:creationId xmlns:a16="http://schemas.microsoft.com/office/drawing/2014/main" id="{76FDBD56-A3F8-5DEE-EB6B-0DCBCBC456FD}"/>
+                <a16:creationId xmlns:a16="http://schemas.microsoft.com/office/drawing/2014/main" id="{8709D2F3-35C4-C35F-F736-BB63D2341A3A}"/>
               </a:ext>
             </a:extLst>
           </p:cNvPr>
@@ -642,7 +642,7 @@
           <p:cNvPr id="4" name="日期占位符 3">
             <a:extLst>
               <a:ext uri="{FF2B5EF4-FFF2-40B4-BE49-F238E27FC236}">
-                <a16:creationId xmlns:a16="http://schemas.microsoft.com/office/drawing/2014/main" id="{5E0FA724-6BF4-5C09-569D-9880ED0A8523}"/>
+                <a16:creationId xmlns:a16="http://schemas.microsoft.com/office/drawing/2014/main" id="{37A71B84-CEF3-6B88-45C9-BCF5485B3B93}"/>
               </a:ext>
             </a:extLst>
           </p:cNvPr>
@@ -658,7 +658,7 @@
           <a:bodyPr/>
           <a:lstStyle/>
           <a:p>
-            <a:fld id="{237A882D-1CCD-4259-85C4-722B743CDCC3}" type="datetimeFigureOut">
+            <a:fld id="{9BE8C56A-74B8-4F2D-9D65-9EF3ACF27737}" type="datetimeFigureOut">
               <a:rPr lang="zh-CN" altLang="en-US" smtClean="0"/>
               <a:t>2024/3/10</a:t>
             </a:fld>
@@ -671,7 +671,7 @@
           <p:cNvPr id="5" name="页脚占位符 4">
             <a:extLst>
               <a:ext uri="{FF2B5EF4-FFF2-40B4-BE49-F238E27FC236}">
-                <a16:creationId xmlns:a16="http://schemas.microsoft.com/office/drawing/2014/main" id="{75A04A34-F652-3196-8965-0D033FEF0B6A}"/>
+                <a16:creationId xmlns:a16="http://schemas.microsoft.com/office/drawing/2014/main" id="{0B3A5FE0-7B2D-7221-2DC4-9789DA7D4E8D}"/>
               </a:ext>
             </a:extLst>
           </p:cNvPr>
@@ -696,7 +696,7 @@
           <p:cNvPr id="6" name="灯片编号占位符 5">
             <a:extLst>
               <a:ext uri="{FF2B5EF4-FFF2-40B4-BE49-F238E27FC236}">
-                <a16:creationId xmlns:a16="http://schemas.microsoft.com/office/drawing/2014/main" id="{17B988DF-078A-172D-84FA-2B2ADB4817F8}"/>
+                <a16:creationId xmlns:a16="http://schemas.microsoft.com/office/drawing/2014/main" id="{E409241D-2606-1700-AE69-E83514A18D77}"/>
               </a:ext>
             </a:extLst>
           </p:cNvPr>
@@ -712,7 +712,7 @@
           <a:bodyPr/>
           <a:lstStyle/>
           <a:p>
-            <a:fld id="{5AB1F6BB-7EE2-4B82-B270-863D35C8674D}" type="slidenum">
+            <a:fld id="{D1883FAE-B966-4DDB-BD36-5372E1E67B54}" type="slidenum">
               <a:rPr lang="zh-CN" altLang="en-US" smtClean="0"/>
               <a:t>‹#›</a:t>
             </a:fld>
@@ -723,7 +723,7 @@
     </p:spTree>
     <p:extLst>
       <p:ext uri="{BB962C8B-B14F-4D97-AF65-F5344CB8AC3E}">
-        <p14:creationId xmlns:p14="http://schemas.microsoft.com/office/powerpoint/2010/main" val="1040981959"/>
+        <p14:creationId xmlns:p14="http://schemas.microsoft.com/office/powerpoint/2010/main" val="1056534123"/>
       </p:ext>
     </p:extLst>
   </p:cSld>
@@ -755,7 +755,7 @@
           <p:cNvPr id="2" name="标题 1">
             <a:extLst>
               <a:ext uri="{FF2B5EF4-FFF2-40B4-BE49-F238E27FC236}">
-                <a16:creationId xmlns:a16="http://schemas.microsoft.com/office/drawing/2014/main" id="{4EDE6F0A-5AA5-AB50-535F-812BEADD4A16}"/>
+                <a16:creationId xmlns:a16="http://schemas.microsoft.com/office/drawing/2014/main" id="{361E15E9-D262-C46D-282A-7DED3655B192}"/>
               </a:ext>
             </a:extLst>
           </p:cNvPr>
@@ -783,7 +783,7 @@
           <p:cNvPr id="3" name="内容占位符 2">
             <a:extLst>
               <a:ext uri="{FF2B5EF4-FFF2-40B4-BE49-F238E27FC236}">
-                <a16:creationId xmlns:a16="http://schemas.microsoft.com/office/drawing/2014/main" id="{9B9A555B-3268-FD21-5350-12575CBC50A8}"/>
+                <a16:creationId xmlns:a16="http://schemas.microsoft.com/office/drawing/2014/main" id="{62BBC848-6929-B312-AF45-13EE9A26B1B9}"/>
               </a:ext>
             </a:extLst>
           </p:cNvPr>
@@ -840,7 +840,7 @@
           <p:cNvPr id="4" name="日期占位符 3">
             <a:extLst>
               <a:ext uri="{FF2B5EF4-FFF2-40B4-BE49-F238E27FC236}">
-                <a16:creationId xmlns:a16="http://schemas.microsoft.com/office/drawing/2014/main" id="{8D251F44-D38F-B913-DA56-310CC8D33E0C}"/>
+                <a16:creationId xmlns:a16="http://schemas.microsoft.com/office/drawing/2014/main" id="{23E67127-04FB-D5B7-3355-9DED74065580}"/>
               </a:ext>
             </a:extLst>
           </p:cNvPr>
@@ -856,7 +856,7 @@
           <a:bodyPr/>
           <a:lstStyle/>
           <a:p>
-            <a:fld id="{237A882D-1CCD-4259-85C4-722B743CDCC3}" type="datetimeFigureOut">
+            <a:fld id="{9BE8C56A-74B8-4F2D-9D65-9EF3ACF27737}" type="datetimeFigureOut">
               <a:rPr lang="zh-CN" altLang="en-US" smtClean="0"/>
               <a:t>2024/3/10</a:t>
             </a:fld>
@@ -869,7 +869,7 @@
           <p:cNvPr id="5" name="页脚占位符 4">
             <a:extLst>
               <a:ext uri="{FF2B5EF4-FFF2-40B4-BE49-F238E27FC236}">
-                <a16:creationId xmlns:a16="http://schemas.microsoft.com/office/drawing/2014/main" id="{9913367F-2A4B-191C-F652-F489A1DECEEE}"/>
+                <a16:creationId xmlns:a16="http://schemas.microsoft.com/office/drawing/2014/main" id="{3BD917BE-7C7C-63B9-4904-F96F5C86CD4F}"/>
               </a:ext>
             </a:extLst>
           </p:cNvPr>
@@ -894,7 +894,7 @@
           <p:cNvPr id="6" name="灯片编号占位符 5">
             <a:extLst>
               <a:ext uri="{FF2B5EF4-FFF2-40B4-BE49-F238E27FC236}">
-                <a16:creationId xmlns:a16="http://schemas.microsoft.com/office/drawing/2014/main" id="{95F4CFB1-1F6E-1E76-E01D-E523C49DD848}"/>
+                <a16:creationId xmlns:a16="http://schemas.microsoft.com/office/drawing/2014/main" id="{B2C1FE6D-0566-2AF5-8C1D-0303B413854E}"/>
               </a:ext>
             </a:extLst>
           </p:cNvPr>
@@ -910,7 +910,7 @@
           <a:bodyPr/>
           <a:lstStyle/>
           <a:p>
-            <a:fld id="{5AB1F6BB-7EE2-4B82-B270-863D35C8674D}" type="slidenum">
+            <a:fld id="{D1883FAE-B966-4DDB-BD36-5372E1E67B54}" type="slidenum">
               <a:rPr lang="zh-CN" altLang="en-US" smtClean="0"/>
               <a:t>‹#›</a:t>
             </a:fld>
@@ -921,7 +921,7 @@
     </p:spTree>
     <p:extLst>
       <p:ext uri="{BB962C8B-B14F-4D97-AF65-F5344CB8AC3E}">
-        <p14:creationId xmlns:p14="http://schemas.microsoft.com/office/powerpoint/2010/main" val="145118698"/>
+        <p14:creationId xmlns:p14="http://schemas.microsoft.com/office/powerpoint/2010/main" val="282824555"/>
       </p:ext>
     </p:extLst>
   </p:cSld>
@@ -953,7 +953,7 @@
           <p:cNvPr id="2" name="标题 1">
             <a:extLst>
               <a:ext uri="{FF2B5EF4-FFF2-40B4-BE49-F238E27FC236}">
-                <a16:creationId xmlns:a16="http://schemas.microsoft.com/office/drawing/2014/main" id="{292135D0-EDE4-6706-78AA-278FA86702B9}"/>
+                <a16:creationId xmlns:a16="http://schemas.microsoft.com/office/drawing/2014/main" id="{90C75C62-9FDF-DF4E-0B01-44ABAB7136FA}"/>
               </a:ext>
             </a:extLst>
           </p:cNvPr>
@@ -990,7 +990,7 @@
           <p:cNvPr id="3" name="文本占位符 2">
             <a:extLst>
               <a:ext uri="{FF2B5EF4-FFF2-40B4-BE49-F238E27FC236}">
-                <a16:creationId xmlns:a16="http://schemas.microsoft.com/office/drawing/2014/main" id="{95D09365-8C8D-55A4-9820-62904C54E6CF}"/>
+                <a16:creationId xmlns:a16="http://schemas.microsoft.com/office/drawing/2014/main" id="{016B580F-2CFD-1554-E3C4-AF0407231820}"/>
               </a:ext>
             </a:extLst>
           </p:cNvPr>
@@ -1115,7 +1115,7 @@
           <p:cNvPr id="4" name="日期占位符 3">
             <a:extLst>
               <a:ext uri="{FF2B5EF4-FFF2-40B4-BE49-F238E27FC236}">
-                <a16:creationId xmlns:a16="http://schemas.microsoft.com/office/drawing/2014/main" id="{DB7AFF06-B560-651D-B12D-585D6A1F8A9D}"/>
+                <a16:creationId xmlns:a16="http://schemas.microsoft.com/office/drawing/2014/main" id="{62EEF85C-BC28-BD71-C9BB-A7906F360595}"/>
               </a:ext>
             </a:extLst>
           </p:cNvPr>
@@ -1131,7 +1131,7 @@
           <a:bodyPr/>
           <a:lstStyle/>
           <a:p>
-            <a:fld id="{237A882D-1CCD-4259-85C4-722B743CDCC3}" type="datetimeFigureOut">
+            <a:fld id="{9BE8C56A-74B8-4F2D-9D65-9EF3ACF27737}" type="datetimeFigureOut">
               <a:rPr lang="zh-CN" altLang="en-US" smtClean="0"/>
               <a:t>2024/3/10</a:t>
             </a:fld>
@@ -1144,7 +1144,7 @@
           <p:cNvPr id="5" name="页脚占位符 4">
             <a:extLst>
               <a:ext uri="{FF2B5EF4-FFF2-40B4-BE49-F238E27FC236}">
-                <a16:creationId xmlns:a16="http://schemas.microsoft.com/office/drawing/2014/main" id="{D1FB18A2-2D3B-2B5F-FD28-05429579E222}"/>
+                <a16:creationId xmlns:a16="http://schemas.microsoft.com/office/drawing/2014/main" id="{901CF79D-ED2F-0DCC-4E4A-5BCFDFF09B3D}"/>
               </a:ext>
             </a:extLst>
           </p:cNvPr>
@@ -1169,7 +1169,7 @@
           <p:cNvPr id="6" name="灯片编号占位符 5">
             <a:extLst>
               <a:ext uri="{FF2B5EF4-FFF2-40B4-BE49-F238E27FC236}">
-                <a16:creationId xmlns:a16="http://schemas.microsoft.com/office/drawing/2014/main" id="{15A330F3-A93B-47B7-17BF-1FF947F725D9}"/>
+                <a16:creationId xmlns:a16="http://schemas.microsoft.com/office/drawing/2014/main" id="{186B19D4-95E3-5857-C5B1-95B5E1FC6194}"/>
               </a:ext>
             </a:extLst>
           </p:cNvPr>
@@ -1185,7 +1185,7 @@
           <a:bodyPr/>
           <a:lstStyle/>
           <a:p>
-            <a:fld id="{5AB1F6BB-7EE2-4B82-B270-863D35C8674D}" type="slidenum">
+            <a:fld id="{D1883FAE-B966-4DDB-BD36-5372E1E67B54}" type="slidenum">
               <a:rPr lang="zh-CN" altLang="en-US" smtClean="0"/>
               <a:t>‹#›</a:t>
             </a:fld>
@@ -1196,7 +1196,7 @@
     </p:spTree>
     <p:extLst>
       <p:ext uri="{BB962C8B-B14F-4D97-AF65-F5344CB8AC3E}">
-        <p14:creationId xmlns:p14="http://schemas.microsoft.com/office/powerpoint/2010/main" val="1299731148"/>
+        <p14:creationId xmlns:p14="http://schemas.microsoft.com/office/powerpoint/2010/main" val="37503834"/>
       </p:ext>
     </p:extLst>
   </p:cSld>
@@ -1228,7 +1228,7 @@
           <p:cNvPr id="2" name="标题 1">
             <a:extLst>
               <a:ext uri="{FF2B5EF4-FFF2-40B4-BE49-F238E27FC236}">
-                <a16:creationId xmlns:a16="http://schemas.microsoft.com/office/drawing/2014/main" id="{086B1BE7-1925-D72A-7917-C1DE63BA4B0C}"/>
+                <a16:creationId xmlns:a16="http://schemas.microsoft.com/office/drawing/2014/main" id="{2EA49BA2-C423-3B6B-ACFF-2885F6B2CFE7}"/>
               </a:ext>
             </a:extLst>
           </p:cNvPr>
@@ -1256,7 +1256,7 @@
           <p:cNvPr id="3" name="内容占位符 2">
             <a:extLst>
               <a:ext uri="{FF2B5EF4-FFF2-40B4-BE49-F238E27FC236}">
-                <a16:creationId xmlns:a16="http://schemas.microsoft.com/office/drawing/2014/main" id="{AA9397D6-2EB9-006A-EA9F-E903E4A2016B}"/>
+                <a16:creationId xmlns:a16="http://schemas.microsoft.com/office/drawing/2014/main" id="{E2C72C1D-9356-04DA-6211-8ADE3593EA5D}"/>
               </a:ext>
             </a:extLst>
           </p:cNvPr>
@@ -1318,7 +1318,7 @@
           <p:cNvPr id="4" name="内容占位符 3">
             <a:extLst>
               <a:ext uri="{FF2B5EF4-FFF2-40B4-BE49-F238E27FC236}">
-                <a16:creationId xmlns:a16="http://schemas.microsoft.com/office/drawing/2014/main" id="{719D8C91-F86D-CBED-884D-31A846B912C3}"/>
+                <a16:creationId xmlns:a16="http://schemas.microsoft.com/office/drawing/2014/main" id="{137D38F4-F8E9-712A-7F6A-70AA7E4316C8}"/>
               </a:ext>
             </a:extLst>
           </p:cNvPr>
@@ -1380,7 +1380,7 @@
           <p:cNvPr id="5" name="日期占位符 4">
             <a:extLst>
               <a:ext uri="{FF2B5EF4-FFF2-40B4-BE49-F238E27FC236}">
-                <a16:creationId xmlns:a16="http://schemas.microsoft.com/office/drawing/2014/main" id="{F2CCF32F-4CC1-3711-022F-366E6F09769D}"/>
+                <a16:creationId xmlns:a16="http://schemas.microsoft.com/office/drawing/2014/main" id="{F1738AD8-159B-B2D7-C7D7-65C671509C57}"/>
               </a:ext>
             </a:extLst>
           </p:cNvPr>
@@ -1396,7 +1396,7 @@
           <a:bodyPr/>
           <a:lstStyle/>
           <a:p>
-            <a:fld id="{237A882D-1CCD-4259-85C4-722B743CDCC3}" type="datetimeFigureOut">
+            <a:fld id="{9BE8C56A-74B8-4F2D-9D65-9EF3ACF27737}" type="datetimeFigureOut">
               <a:rPr lang="zh-CN" altLang="en-US" smtClean="0"/>
               <a:t>2024/3/10</a:t>
             </a:fld>
@@ -1409,7 +1409,7 @@
           <p:cNvPr id="6" name="页脚占位符 5">
             <a:extLst>
               <a:ext uri="{FF2B5EF4-FFF2-40B4-BE49-F238E27FC236}">
-                <a16:creationId xmlns:a16="http://schemas.microsoft.com/office/drawing/2014/main" id="{24441FCC-30AF-299D-8513-ED974EE20746}"/>
+                <a16:creationId xmlns:a16="http://schemas.microsoft.com/office/drawing/2014/main" id="{C2183F01-ED02-3160-60F1-CA43ACE407F0}"/>
               </a:ext>
             </a:extLst>
           </p:cNvPr>
@@ -1434,7 +1434,7 @@
           <p:cNvPr id="7" name="灯片编号占位符 6">
             <a:extLst>
               <a:ext uri="{FF2B5EF4-FFF2-40B4-BE49-F238E27FC236}">
-                <a16:creationId xmlns:a16="http://schemas.microsoft.com/office/drawing/2014/main" id="{A1171B3A-D37E-E930-F23F-26464A94E3A8}"/>
+                <a16:creationId xmlns:a16="http://schemas.microsoft.com/office/drawing/2014/main" id="{20DFDBBD-2633-56AC-E75B-68F97A1092D3}"/>
               </a:ext>
             </a:extLst>
           </p:cNvPr>
@@ -1450,7 +1450,7 @@
           <a:bodyPr/>
           <a:lstStyle/>
           <a:p>
-            <a:fld id="{5AB1F6BB-7EE2-4B82-B270-863D35C8674D}" type="slidenum">
+            <a:fld id="{D1883FAE-B966-4DDB-BD36-5372E1E67B54}" type="slidenum">
               <a:rPr lang="zh-CN" altLang="en-US" smtClean="0"/>
               <a:t>‹#›</a:t>
             </a:fld>
@@ -1461,7 +1461,7 @@
     </p:spTree>
     <p:extLst>
       <p:ext uri="{BB962C8B-B14F-4D97-AF65-F5344CB8AC3E}">
-        <p14:creationId xmlns:p14="http://schemas.microsoft.com/office/powerpoint/2010/main" val="1221789443"/>
+        <p14:creationId xmlns:p14="http://schemas.microsoft.com/office/powerpoint/2010/main" val="1391206806"/>
       </p:ext>
     </p:extLst>
   </p:cSld>
@@ -1493,7 +1493,7 @@
           <p:cNvPr id="2" name="标题 1">
             <a:extLst>
               <a:ext uri="{FF2B5EF4-FFF2-40B4-BE49-F238E27FC236}">
-                <a16:creationId xmlns:a16="http://schemas.microsoft.com/office/drawing/2014/main" id="{260B01AA-0808-591A-3F4B-035D9C3A58D7}"/>
+                <a16:creationId xmlns:a16="http://schemas.microsoft.com/office/drawing/2014/main" id="{AEB994A6-F080-8A93-1A23-EB6467C102D7}"/>
               </a:ext>
             </a:extLst>
           </p:cNvPr>
@@ -1526,7 +1526,7 @@
           <p:cNvPr id="3" name="文本占位符 2">
             <a:extLst>
               <a:ext uri="{FF2B5EF4-FFF2-40B4-BE49-F238E27FC236}">
-                <a16:creationId xmlns:a16="http://schemas.microsoft.com/office/drawing/2014/main" id="{8B24BA34-D4F1-30E3-72D3-ED26A08870C9}"/>
+                <a16:creationId xmlns:a16="http://schemas.microsoft.com/office/drawing/2014/main" id="{3B5D7F5A-8100-3DE3-DE71-7B42DDC58E58}"/>
               </a:ext>
             </a:extLst>
           </p:cNvPr>
@@ -1597,7 +1597,7 @@
           <p:cNvPr id="4" name="内容占位符 3">
             <a:extLst>
               <a:ext uri="{FF2B5EF4-FFF2-40B4-BE49-F238E27FC236}">
-                <a16:creationId xmlns:a16="http://schemas.microsoft.com/office/drawing/2014/main" id="{98E80CF7-501E-8DC4-185A-7934CE280093}"/>
+                <a16:creationId xmlns:a16="http://schemas.microsoft.com/office/drawing/2014/main" id="{8CA20AC4-63C4-E9A2-5442-A2F26299F570}"/>
               </a:ext>
             </a:extLst>
           </p:cNvPr>
@@ -1659,7 +1659,7 @@
           <p:cNvPr id="5" name="文本占位符 4">
             <a:extLst>
               <a:ext uri="{FF2B5EF4-FFF2-40B4-BE49-F238E27FC236}">
-                <a16:creationId xmlns:a16="http://schemas.microsoft.com/office/drawing/2014/main" id="{8804BD91-39DD-7A4C-233E-EB13902265B9}"/>
+                <a16:creationId xmlns:a16="http://schemas.microsoft.com/office/drawing/2014/main" id="{05CECDE7-E65F-A00B-58D8-AEED49B538F8}"/>
               </a:ext>
             </a:extLst>
           </p:cNvPr>
@@ -1730,7 +1730,7 @@
           <p:cNvPr id="6" name="内容占位符 5">
             <a:extLst>
               <a:ext uri="{FF2B5EF4-FFF2-40B4-BE49-F238E27FC236}">
-                <a16:creationId xmlns:a16="http://schemas.microsoft.com/office/drawing/2014/main" id="{028ABFDF-772A-E648-202C-32483CA44DFF}"/>
+                <a16:creationId xmlns:a16="http://schemas.microsoft.com/office/drawing/2014/main" id="{9AAA5341-93FF-3883-9BB9-FBC9DDE810CB}"/>
               </a:ext>
             </a:extLst>
           </p:cNvPr>
@@ -1792,7 +1792,7 @@
           <p:cNvPr id="7" name="日期占位符 6">
             <a:extLst>
               <a:ext uri="{FF2B5EF4-FFF2-40B4-BE49-F238E27FC236}">
-                <a16:creationId xmlns:a16="http://schemas.microsoft.com/office/drawing/2014/main" id="{73FEB4D3-584A-BC30-B371-5E851A89997F}"/>
+                <a16:creationId xmlns:a16="http://schemas.microsoft.com/office/drawing/2014/main" id="{EE78DAEB-6421-3F81-1A5E-8731CE7FAD15}"/>
               </a:ext>
             </a:extLst>
           </p:cNvPr>
@@ -1808,7 +1808,7 @@
           <a:bodyPr/>
           <a:lstStyle/>
           <a:p>
-            <a:fld id="{237A882D-1CCD-4259-85C4-722B743CDCC3}" type="datetimeFigureOut">
+            <a:fld id="{9BE8C56A-74B8-4F2D-9D65-9EF3ACF27737}" type="datetimeFigureOut">
               <a:rPr lang="zh-CN" altLang="en-US" smtClean="0"/>
               <a:t>2024/3/10</a:t>
             </a:fld>
@@ -1821,7 +1821,7 @@
           <p:cNvPr id="8" name="页脚占位符 7">
             <a:extLst>
               <a:ext uri="{FF2B5EF4-FFF2-40B4-BE49-F238E27FC236}">
-                <a16:creationId xmlns:a16="http://schemas.microsoft.com/office/drawing/2014/main" id="{4C226D9F-8CB3-C158-964E-3F1B3864F0C9}"/>
+                <a16:creationId xmlns:a16="http://schemas.microsoft.com/office/drawing/2014/main" id="{5A07C4D2-DA9E-6C7D-D0E5-2BE0D9D9F488}"/>
               </a:ext>
             </a:extLst>
           </p:cNvPr>
@@ -1846,7 +1846,7 @@
           <p:cNvPr id="9" name="灯片编号占位符 8">
             <a:extLst>
               <a:ext uri="{FF2B5EF4-FFF2-40B4-BE49-F238E27FC236}">
-                <a16:creationId xmlns:a16="http://schemas.microsoft.com/office/drawing/2014/main" id="{6A4C5C45-4647-B801-9842-FEB90A658905}"/>
+                <a16:creationId xmlns:a16="http://schemas.microsoft.com/office/drawing/2014/main" id="{62AF4448-71FE-DCB0-9DEA-32844A40EA85}"/>
               </a:ext>
             </a:extLst>
           </p:cNvPr>
@@ -1862,7 +1862,7 @@
           <a:bodyPr/>
           <a:lstStyle/>
           <a:p>
-            <a:fld id="{5AB1F6BB-7EE2-4B82-B270-863D35C8674D}" type="slidenum">
+            <a:fld id="{D1883FAE-B966-4DDB-BD36-5372E1E67B54}" type="slidenum">
               <a:rPr lang="zh-CN" altLang="en-US" smtClean="0"/>
               <a:t>‹#›</a:t>
             </a:fld>
@@ -1873,7 +1873,7 @@
     </p:spTree>
     <p:extLst>
       <p:ext uri="{BB962C8B-B14F-4D97-AF65-F5344CB8AC3E}">
-        <p14:creationId xmlns:p14="http://schemas.microsoft.com/office/powerpoint/2010/main" val="188025464"/>
+        <p14:creationId xmlns:p14="http://schemas.microsoft.com/office/powerpoint/2010/main" val="1575490091"/>
       </p:ext>
     </p:extLst>
   </p:cSld>
@@ -1905,7 +1905,7 @@
           <p:cNvPr id="2" name="标题 1">
             <a:extLst>
               <a:ext uri="{FF2B5EF4-FFF2-40B4-BE49-F238E27FC236}">
-                <a16:creationId xmlns:a16="http://schemas.microsoft.com/office/drawing/2014/main" id="{E11F3AF3-A934-ACFC-4306-98739155D99D}"/>
+                <a16:creationId xmlns:a16="http://schemas.microsoft.com/office/drawing/2014/main" id="{9C92F518-8ADF-EBB5-00C6-C0A86CB5C400}"/>
               </a:ext>
             </a:extLst>
           </p:cNvPr>
@@ -1933,7 +1933,7 @@
           <p:cNvPr id="3" name="日期占位符 2">
             <a:extLst>
               <a:ext uri="{FF2B5EF4-FFF2-40B4-BE49-F238E27FC236}">
-                <a16:creationId xmlns:a16="http://schemas.microsoft.com/office/drawing/2014/main" id="{E5C0B249-BF38-EF19-7E07-D6F46BD79C4B}"/>
+                <a16:creationId xmlns:a16="http://schemas.microsoft.com/office/drawing/2014/main" id="{30A762BF-3C69-746C-76EB-32B67113FCBD}"/>
               </a:ext>
             </a:extLst>
           </p:cNvPr>
@@ -1949,7 +1949,7 @@
           <a:bodyPr/>
           <a:lstStyle/>
           <a:p>
-            <a:fld id="{237A882D-1CCD-4259-85C4-722B743CDCC3}" type="datetimeFigureOut">
+            <a:fld id="{9BE8C56A-74B8-4F2D-9D65-9EF3ACF27737}" type="datetimeFigureOut">
               <a:rPr lang="zh-CN" altLang="en-US" smtClean="0"/>
               <a:t>2024/3/10</a:t>
             </a:fld>
@@ -1962,7 +1962,7 @@
           <p:cNvPr id="4" name="页脚占位符 3">
             <a:extLst>
               <a:ext uri="{FF2B5EF4-FFF2-40B4-BE49-F238E27FC236}">
-                <a16:creationId xmlns:a16="http://schemas.microsoft.com/office/drawing/2014/main" id="{05F4F8BC-374D-1835-926C-D48D44BE5B34}"/>
+                <a16:creationId xmlns:a16="http://schemas.microsoft.com/office/drawing/2014/main" id="{D3BDECE1-4BB2-429F-11CB-3748D6C0ABD7}"/>
               </a:ext>
             </a:extLst>
           </p:cNvPr>
@@ -1987,7 +1987,7 @@
           <p:cNvPr id="5" name="灯片编号占位符 4">
             <a:extLst>
               <a:ext uri="{FF2B5EF4-FFF2-40B4-BE49-F238E27FC236}">
-                <a16:creationId xmlns:a16="http://schemas.microsoft.com/office/drawing/2014/main" id="{CAA5033B-D033-8415-9BAC-643F04D3A998}"/>
+                <a16:creationId xmlns:a16="http://schemas.microsoft.com/office/drawing/2014/main" id="{3FFC108C-3209-9087-59D3-DEB944492EF2}"/>
               </a:ext>
             </a:extLst>
           </p:cNvPr>
@@ -2003,7 +2003,7 @@
           <a:bodyPr/>
           <a:lstStyle/>
           <a:p>
-            <a:fld id="{5AB1F6BB-7EE2-4B82-B270-863D35C8674D}" type="slidenum">
+            <a:fld id="{D1883FAE-B966-4DDB-BD36-5372E1E67B54}" type="slidenum">
               <a:rPr lang="zh-CN" altLang="en-US" smtClean="0"/>
               <a:t>‹#›</a:t>
             </a:fld>
@@ -2014,7 +2014,7 @@
     </p:spTree>
     <p:extLst>
       <p:ext uri="{BB962C8B-B14F-4D97-AF65-F5344CB8AC3E}">
-        <p14:creationId xmlns:p14="http://schemas.microsoft.com/office/powerpoint/2010/main" val="2191527452"/>
+        <p14:creationId xmlns:p14="http://schemas.microsoft.com/office/powerpoint/2010/main" val="69580189"/>
       </p:ext>
     </p:extLst>
   </p:cSld>
@@ -2046,7 +2046,7 @@
           <p:cNvPr id="2" name="日期占位符 1">
             <a:extLst>
               <a:ext uri="{FF2B5EF4-FFF2-40B4-BE49-F238E27FC236}">
-                <a16:creationId xmlns:a16="http://schemas.microsoft.com/office/drawing/2014/main" id="{6B96CB98-385C-AA3B-6863-337B15D7AA3F}"/>
+                <a16:creationId xmlns:a16="http://schemas.microsoft.com/office/drawing/2014/main" id="{FA11E5B6-372B-2E21-0F3E-0EC736B45BCB}"/>
               </a:ext>
             </a:extLst>
           </p:cNvPr>
@@ -2062,7 +2062,7 @@
           <a:bodyPr/>
           <a:lstStyle/>
           <a:p>
-            <a:fld id="{237A882D-1CCD-4259-85C4-722B743CDCC3}" type="datetimeFigureOut">
+            <a:fld id="{9BE8C56A-74B8-4F2D-9D65-9EF3ACF27737}" type="datetimeFigureOut">
               <a:rPr lang="zh-CN" altLang="en-US" smtClean="0"/>
               <a:t>2024/3/10</a:t>
             </a:fld>
@@ -2075,7 +2075,7 @@
           <p:cNvPr id="3" name="页脚占位符 2">
             <a:extLst>
               <a:ext uri="{FF2B5EF4-FFF2-40B4-BE49-F238E27FC236}">
-                <a16:creationId xmlns:a16="http://schemas.microsoft.com/office/drawing/2014/main" id="{2219F019-11B4-B136-192B-EF94F9A33891}"/>
+                <a16:creationId xmlns:a16="http://schemas.microsoft.com/office/drawing/2014/main" id="{560D7665-688A-3429-3AB1-503B750B2B80}"/>
               </a:ext>
             </a:extLst>
           </p:cNvPr>
@@ -2100,7 +2100,7 @@
           <p:cNvPr id="4" name="灯片编号占位符 3">
             <a:extLst>
               <a:ext uri="{FF2B5EF4-FFF2-40B4-BE49-F238E27FC236}">
-                <a16:creationId xmlns:a16="http://schemas.microsoft.com/office/drawing/2014/main" id="{B9BFA482-BCC2-7EE4-E304-96A91BABF3A3}"/>
+                <a16:creationId xmlns:a16="http://schemas.microsoft.com/office/drawing/2014/main" id="{1F437D10-FD2D-6941-45CB-2F1536B62119}"/>
               </a:ext>
             </a:extLst>
           </p:cNvPr>
@@ -2116,7 +2116,7 @@
           <a:bodyPr/>
           <a:lstStyle/>
           <a:p>
-            <a:fld id="{5AB1F6BB-7EE2-4B82-B270-863D35C8674D}" type="slidenum">
+            <a:fld id="{D1883FAE-B966-4DDB-BD36-5372E1E67B54}" type="slidenum">
               <a:rPr lang="zh-CN" altLang="en-US" smtClean="0"/>
               <a:t>‹#›</a:t>
             </a:fld>
@@ -2127,7 +2127,7 @@
     </p:spTree>
     <p:extLst>
       <p:ext uri="{BB962C8B-B14F-4D97-AF65-F5344CB8AC3E}">
-        <p14:creationId xmlns:p14="http://schemas.microsoft.com/office/powerpoint/2010/main" val="3493906435"/>
+        <p14:creationId xmlns:p14="http://schemas.microsoft.com/office/powerpoint/2010/main" val="1870899120"/>
       </p:ext>
     </p:extLst>
   </p:cSld>
@@ -2159,7 +2159,7 @@
           <p:cNvPr id="2" name="标题 1">
             <a:extLst>
               <a:ext uri="{FF2B5EF4-FFF2-40B4-BE49-F238E27FC236}">
-                <a16:creationId xmlns:a16="http://schemas.microsoft.com/office/drawing/2014/main" id="{D9DAB9F2-92D2-D113-64F0-D19936B032AF}"/>
+                <a16:creationId xmlns:a16="http://schemas.microsoft.com/office/drawing/2014/main" id="{B419C40B-D833-8AAF-162C-DCDB5A48D171}"/>
               </a:ext>
             </a:extLst>
           </p:cNvPr>
@@ -2196,7 +2196,7 @@
           <p:cNvPr id="3" name="内容占位符 2">
             <a:extLst>
               <a:ext uri="{FF2B5EF4-FFF2-40B4-BE49-F238E27FC236}">
-                <a16:creationId xmlns:a16="http://schemas.microsoft.com/office/drawing/2014/main" id="{121440A3-8F60-D87D-D535-95EAEF60D3B8}"/>
+                <a16:creationId xmlns:a16="http://schemas.microsoft.com/office/drawing/2014/main" id="{C6BC453C-175F-759F-DDCD-0041E6A36F70}"/>
               </a:ext>
             </a:extLst>
           </p:cNvPr>
@@ -2286,7 +2286,7 @@
           <p:cNvPr id="4" name="文本占位符 3">
             <a:extLst>
               <a:ext uri="{FF2B5EF4-FFF2-40B4-BE49-F238E27FC236}">
-                <a16:creationId xmlns:a16="http://schemas.microsoft.com/office/drawing/2014/main" id="{5AA5E2ED-6525-138D-636B-EF403E6E06BB}"/>
+                <a16:creationId xmlns:a16="http://schemas.microsoft.com/office/drawing/2014/main" id="{327B2BB9-569D-EEEA-7296-9822BBEA8C1F}"/>
               </a:ext>
             </a:extLst>
           </p:cNvPr>
@@ -2357,7 +2357,7 @@
           <p:cNvPr id="5" name="日期占位符 4">
             <a:extLst>
               <a:ext uri="{FF2B5EF4-FFF2-40B4-BE49-F238E27FC236}">
-                <a16:creationId xmlns:a16="http://schemas.microsoft.com/office/drawing/2014/main" id="{C609F437-4A7B-D175-07B5-DED75A3D2A45}"/>
+                <a16:creationId xmlns:a16="http://schemas.microsoft.com/office/drawing/2014/main" id="{E4F5348C-CA8D-DB96-761F-8D307E58F7EC}"/>
               </a:ext>
             </a:extLst>
           </p:cNvPr>
@@ -2373,7 +2373,7 @@
           <a:bodyPr/>
           <a:lstStyle/>
           <a:p>
-            <a:fld id="{237A882D-1CCD-4259-85C4-722B743CDCC3}" type="datetimeFigureOut">
+            <a:fld id="{9BE8C56A-74B8-4F2D-9D65-9EF3ACF27737}" type="datetimeFigureOut">
               <a:rPr lang="zh-CN" altLang="en-US" smtClean="0"/>
               <a:t>2024/3/10</a:t>
             </a:fld>
@@ -2386,7 +2386,7 @@
           <p:cNvPr id="6" name="页脚占位符 5">
             <a:extLst>
               <a:ext uri="{FF2B5EF4-FFF2-40B4-BE49-F238E27FC236}">
-                <a16:creationId xmlns:a16="http://schemas.microsoft.com/office/drawing/2014/main" id="{28FFE3A5-C58E-CD22-CEC0-346500DF7661}"/>
+                <a16:creationId xmlns:a16="http://schemas.microsoft.com/office/drawing/2014/main" id="{897E0D01-519D-B6D1-F858-6DA69945372E}"/>
               </a:ext>
             </a:extLst>
           </p:cNvPr>
@@ -2411,7 +2411,7 @@
           <p:cNvPr id="7" name="灯片编号占位符 6">
             <a:extLst>
               <a:ext uri="{FF2B5EF4-FFF2-40B4-BE49-F238E27FC236}">
-                <a16:creationId xmlns:a16="http://schemas.microsoft.com/office/drawing/2014/main" id="{A353FCA8-B2AE-71DA-3C8E-D1DF7DFD109A}"/>
+                <a16:creationId xmlns:a16="http://schemas.microsoft.com/office/drawing/2014/main" id="{B1E270D1-8B3C-72AC-6F4B-D4A722606B03}"/>
               </a:ext>
             </a:extLst>
           </p:cNvPr>
@@ -2427,7 +2427,7 @@
           <a:bodyPr/>
           <a:lstStyle/>
           <a:p>
-            <a:fld id="{5AB1F6BB-7EE2-4B82-B270-863D35C8674D}" type="slidenum">
+            <a:fld id="{D1883FAE-B966-4DDB-BD36-5372E1E67B54}" type="slidenum">
               <a:rPr lang="zh-CN" altLang="en-US" smtClean="0"/>
               <a:t>‹#›</a:t>
             </a:fld>
@@ -2438,7 +2438,7 @@
     </p:spTree>
     <p:extLst>
       <p:ext uri="{BB962C8B-B14F-4D97-AF65-F5344CB8AC3E}">
-        <p14:creationId xmlns:p14="http://schemas.microsoft.com/office/powerpoint/2010/main" val="3915253606"/>
+        <p14:creationId xmlns:p14="http://schemas.microsoft.com/office/powerpoint/2010/main" val="3167805295"/>
       </p:ext>
     </p:extLst>
   </p:cSld>
@@ -2470,7 +2470,7 @@
           <p:cNvPr id="2" name="标题 1">
             <a:extLst>
               <a:ext uri="{FF2B5EF4-FFF2-40B4-BE49-F238E27FC236}">
-                <a16:creationId xmlns:a16="http://schemas.microsoft.com/office/drawing/2014/main" id="{2FEB5A58-15A8-282F-8F70-784BA85DF449}"/>
+                <a16:creationId xmlns:a16="http://schemas.microsoft.com/office/drawing/2014/main" id="{2F5E6414-7266-5F4A-3099-6624823432CC}"/>
               </a:ext>
             </a:extLst>
           </p:cNvPr>
@@ -2507,7 +2507,7 @@
           <p:cNvPr id="3" name="图片占位符 2">
             <a:extLst>
               <a:ext uri="{FF2B5EF4-FFF2-40B4-BE49-F238E27FC236}">
-                <a16:creationId xmlns:a16="http://schemas.microsoft.com/office/drawing/2014/main" id="{A1760B6E-E772-26F9-1DD6-9FE93C48166B}"/>
+                <a16:creationId xmlns:a16="http://schemas.microsoft.com/office/drawing/2014/main" id="{61A1D6EC-0AA7-36C4-FE85-8E1F5AE5E520}"/>
               </a:ext>
             </a:extLst>
           </p:cNvPr>
@@ -2574,7 +2574,7 @@
           <p:cNvPr id="4" name="文本占位符 3">
             <a:extLst>
               <a:ext uri="{FF2B5EF4-FFF2-40B4-BE49-F238E27FC236}">
-                <a16:creationId xmlns:a16="http://schemas.microsoft.com/office/drawing/2014/main" id="{64B84628-9CF6-1D35-E004-7CCD7CD35A9E}"/>
+                <a16:creationId xmlns:a16="http://schemas.microsoft.com/office/drawing/2014/main" id="{B15AF57C-2508-3F58-6647-1A8F91526FA3}"/>
               </a:ext>
             </a:extLst>
           </p:cNvPr>
@@ -2645,7 +2645,7 @@
           <p:cNvPr id="5" name="日期占位符 4">
             <a:extLst>
               <a:ext uri="{FF2B5EF4-FFF2-40B4-BE49-F238E27FC236}">
-                <a16:creationId xmlns:a16="http://schemas.microsoft.com/office/drawing/2014/main" id="{113DE155-B7B4-3449-7E68-DCF565BBCD06}"/>
+                <a16:creationId xmlns:a16="http://schemas.microsoft.com/office/drawing/2014/main" id="{F3074FB3-E199-3422-4912-E770F38E9CC8}"/>
               </a:ext>
             </a:extLst>
           </p:cNvPr>
@@ -2661,7 +2661,7 @@
           <a:bodyPr/>
           <a:lstStyle/>
           <a:p>
-            <a:fld id="{237A882D-1CCD-4259-85C4-722B743CDCC3}" type="datetimeFigureOut">
+            <a:fld id="{9BE8C56A-74B8-4F2D-9D65-9EF3ACF27737}" type="datetimeFigureOut">
               <a:rPr lang="zh-CN" altLang="en-US" smtClean="0"/>
               <a:t>2024/3/10</a:t>
             </a:fld>
@@ -2674,7 +2674,7 @@
           <p:cNvPr id="6" name="页脚占位符 5">
             <a:extLst>
               <a:ext uri="{FF2B5EF4-FFF2-40B4-BE49-F238E27FC236}">
-                <a16:creationId xmlns:a16="http://schemas.microsoft.com/office/drawing/2014/main" id="{146B905C-A3EE-8B7C-941F-1D495C63F4AF}"/>
+                <a16:creationId xmlns:a16="http://schemas.microsoft.com/office/drawing/2014/main" id="{2525CA2A-F333-32B5-DBC5-A53C164CEEC2}"/>
               </a:ext>
             </a:extLst>
           </p:cNvPr>
@@ -2699,7 +2699,7 @@
           <p:cNvPr id="7" name="灯片编号占位符 6">
             <a:extLst>
               <a:ext uri="{FF2B5EF4-FFF2-40B4-BE49-F238E27FC236}">
-                <a16:creationId xmlns:a16="http://schemas.microsoft.com/office/drawing/2014/main" id="{FF5A216B-64EE-F644-746F-5CB57B4EEDCF}"/>
+                <a16:creationId xmlns:a16="http://schemas.microsoft.com/office/drawing/2014/main" id="{FEBBC2AC-1304-8B73-725E-3FE13ED98AB3}"/>
               </a:ext>
             </a:extLst>
           </p:cNvPr>
@@ -2715,7 +2715,7 @@
           <a:bodyPr/>
           <a:lstStyle/>
           <a:p>
-            <a:fld id="{5AB1F6BB-7EE2-4B82-B270-863D35C8674D}" type="slidenum">
+            <a:fld id="{D1883FAE-B966-4DDB-BD36-5372E1E67B54}" type="slidenum">
               <a:rPr lang="zh-CN" altLang="en-US" smtClean="0"/>
               <a:t>‹#›</a:t>
             </a:fld>
@@ -2726,7 +2726,7 @@
     </p:spTree>
     <p:extLst>
       <p:ext uri="{BB962C8B-B14F-4D97-AF65-F5344CB8AC3E}">
-        <p14:creationId xmlns:p14="http://schemas.microsoft.com/office/powerpoint/2010/main" val="3064028661"/>
+        <p14:creationId xmlns:p14="http://schemas.microsoft.com/office/powerpoint/2010/main" val="2019298736"/>
       </p:ext>
     </p:extLst>
   </p:cSld>
@@ -2763,7 +2763,7 @@
           <p:cNvPr id="2" name="标题占位符 1">
             <a:extLst>
               <a:ext uri="{FF2B5EF4-FFF2-40B4-BE49-F238E27FC236}">
-                <a16:creationId xmlns:a16="http://schemas.microsoft.com/office/drawing/2014/main" id="{D59B9580-B06E-38B9-5B7E-9A69BFCFD31B}"/>
+                <a16:creationId xmlns:a16="http://schemas.microsoft.com/office/drawing/2014/main" id="{1972D95B-8840-7205-1232-24A5E199C264}"/>
               </a:ext>
             </a:extLst>
           </p:cNvPr>
@@ -2801,7 +2801,7 @@
           <p:cNvPr id="3" name="文本占位符 2">
             <a:extLst>
               <a:ext uri="{FF2B5EF4-FFF2-40B4-BE49-F238E27FC236}">
-                <a16:creationId xmlns:a16="http://schemas.microsoft.com/office/drawing/2014/main" id="{3CCEE1EF-2D4B-CAE3-0A1C-F336B0A7D720}"/>
+                <a16:creationId xmlns:a16="http://schemas.microsoft.com/office/drawing/2014/main" id="{FC37DDC6-2F29-8925-4BF7-7ACFDB704EC1}"/>
               </a:ext>
             </a:extLst>
           </p:cNvPr>
@@ -2868,7 +2868,7 @@
           <p:cNvPr id="4" name="日期占位符 3">
             <a:extLst>
               <a:ext uri="{FF2B5EF4-FFF2-40B4-BE49-F238E27FC236}">
-                <a16:creationId xmlns:a16="http://schemas.microsoft.com/office/drawing/2014/main" id="{2AC2A073-36D7-129E-D226-742677F86B9D}"/>
+                <a16:creationId xmlns:a16="http://schemas.microsoft.com/office/drawing/2014/main" id="{08D38965-B718-C8F2-E022-9835112D065B}"/>
               </a:ext>
             </a:extLst>
           </p:cNvPr>
@@ -2902,7 +2902,7 @@
             </a:lvl1pPr>
           </a:lstStyle>
           <a:p>
-            <a:fld id="{237A882D-1CCD-4259-85C4-722B743CDCC3}" type="datetimeFigureOut">
+            <a:fld id="{9BE8C56A-74B8-4F2D-9D65-9EF3ACF27737}" type="datetimeFigureOut">
               <a:rPr lang="zh-CN" altLang="en-US" smtClean="0"/>
               <a:t>2024/3/10</a:t>
             </a:fld>
@@ -2915,7 +2915,7 @@
           <p:cNvPr id="5" name="页脚占位符 4">
             <a:extLst>
               <a:ext uri="{FF2B5EF4-FFF2-40B4-BE49-F238E27FC236}">
-                <a16:creationId xmlns:a16="http://schemas.microsoft.com/office/drawing/2014/main" id="{7818CD1E-F3B1-941B-AE80-C077FFD986FF}"/>
+                <a16:creationId xmlns:a16="http://schemas.microsoft.com/office/drawing/2014/main" id="{51CF49A8-CFDA-52A6-219B-E9511CB7F72C}"/>
               </a:ext>
             </a:extLst>
           </p:cNvPr>
@@ -2958,7 +2958,7 @@
           <p:cNvPr id="6" name="灯片编号占位符 5">
             <a:extLst>
               <a:ext uri="{FF2B5EF4-FFF2-40B4-BE49-F238E27FC236}">
-                <a16:creationId xmlns:a16="http://schemas.microsoft.com/office/drawing/2014/main" id="{B827CC20-5984-EC5B-B410-3B49EDAFF0A5}"/>
+                <a16:creationId xmlns:a16="http://schemas.microsoft.com/office/drawing/2014/main" id="{56401B4E-5AC1-BF4B-BBD9-E501B76702C9}"/>
               </a:ext>
             </a:extLst>
           </p:cNvPr>
@@ -2992,7 +2992,7 @@
             </a:lvl1pPr>
           </a:lstStyle>
           <a:p>
-            <a:fld id="{5AB1F6BB-7EE2-4B82-B270-863D35C8674D}" type="slidenum">
+            <a:fld id="{D1883FAE-B966-4DDB-BD36-5372E1E67B54}" type="slidenum">
               <a:rPr lang="zh-CN" altLang="en-US" smtClean="0"/>
               <a:t>‹#›</a:t>
             </a:fld>
@@ -3003,7 +3003,7 @@
     </p:spTree>
     <p:extLst>
       <p:ext uri="{BB962C8B-B14F-4D97-AF65-F5344CB8AC3E}">
-        <p14:creationId xmlns:p14="http://schemas.microsoft.com/office/powerpoint/2010/main" val="2754993492"/>
+        <p14:creationId xmlns:p14="http://schemas.microsoft.com/office/powerpoint/2010/main" val="539201475"/>
       </p:ext>
     </p:extLst>
   </p:cSld>
